--- a/Databasae management system/theory/course material/after mid files/Lecture 10 DML5CorelatedNested.pptx
+++ b/Databasae management system/theory/course material/after mid files/Lecture 10 DML5CorelatedNested.pptx
@@ -270,7 +270,7 @@
           <a:p>
             <a:fld id="{846CE7D5-CF57-46EF-B807-FDD0502418D4}" type="datetimeFigureOut">
               <a:rPr lang="en-US" smtClean="0"/>
-              <a:t>12/20/2021</a:t>
+              <a:t>2/3/2025</a:t>
             </a:fld>
             <a:endParaRPr lang="en-US"/>
           </a:p>
@@ -440,7 +440,7 @@
           <a:p>
             <a:fld id="{846CE7D5-CF57-46EF-B807-FDD0502418D4}" type="datetimeFigureOut">
               <a:rPr lang="en-US" smtClean="0"/>
-              <a:t>12/20/2021</a:t>
+              <a:t>2/3/2025</a:t>
             </a:fld>
             <a:endParaRPr lang="en-US"/>
           </a:p>
@@ -620,7 +620,7 @@
           <a:p>
             <a:fld id="{846CE7D5-CF57-46EF-B807-FDD0502418D4}" type="datetimeFigureOut">
               <a:rPr lang="en-US" smtClean="0"/>
-              <a:t>12/20/2021</a:t>
+              <a:t>2/3/2025</a:t>
             </a:fld>
             <a:endParaRPr lang="en-US"/>
           </a:p>
@@ -790,7 +790,7 @@
           <a:p>
             <a:fld id="{846CE7D5-CF57-46EF-B807-FDD0502418D4}" type="datetimeFigureOut">
               <a:rPr lang="en-US" smtClean="0"/>
-              <a:t>12/20/2021</a:t>
+              <a:t>2/3/2025</a:t>
             </a:fld>
             <a:endParaRPr lang="en-US"/>
           </a:p>
@@ -1036,7 +1036,7 @@
           <a:p>
             <a:fld id="{846CE7D5-CF57-46EF-B807-FDD0502418D4}" type="datetimeFigureOut">
               <a:rPr lang="en-US" smtClean="0"/>
-              <a:t>12/20/2021</a:t>
+              <a:t>2/3/2025</a:t>
             </a:fld>
             <a:endParaRPr lang="en-US"/>
           </a:p>
@@ -1268,7 +1268,7 @@
           <a:p>
             <a:fld id="{846CE7D5-CF57-46EF-B807-FDD0502418D4}" type="datetimeFigureOut">
               <a:rPr lang="en-US" smtClean="0"/>
-              <a:t>12/20/2021</a:t>
+              <a:t>2/3/2025</a:t>
             </a:fld>
             <a:endParaRPr lang="en-US"/>
           </a:p>
@@ -1635,7 +1635,7 @@
           <a:p>
             <a:fld id="{846CE7D5-CF57-46EF-B807-FDD0502418D4}" type="datetimeFigureOut">
               <a:rPr lang="en-US" smtClean="0"/>
-              <a:t>12/20/2021</a:t>
+              <a:t>2/3/2025</a:t>
             </a:fld>
             <a:endParaRPr lang="en-US"/>
           </a:p>
@@ -1753,7 +1753,7 @@
           <a:p>
             <a:fld id="{846CE7D5-CF57-46EF-B807-FDD0502418D4}" type="datetimeFigureOut">
               <a:rPr lang="en-US" smtClean="0"/>
-              <a:t>12/20/2021</a:t>
+              <a:t>2/3/2025</a:t>
             </a:fld>
             <a:endParaRPr lang="en-US"/>
           </a:p>
@@ -1848,7 +1848,7 @@
           <a:p>
             <a:fld id="{846CE7D5-CF57-46EF-B807-FDD0502418D4}" type="datetimeFigureOut">
               <a:rPr lang="en-US" smtClean="0"/>
-              <a:t>12/20/2021</a:t>
+              <a:t>2/3/2025</a:t>
             </a:fld>
             <a:endParaRPr lang="en-US"/>
           </a:p>
@@ -2125,7 +2125,7 @@
           <a:p>
             <a:fld id="{846CE7D5-CF57-46EF-B807-FDD0502418D4}" type="datetimeFigureOut">
               <a:rPr lang="en-US" smtClean="0"/>
-              <a:t>12/20/2021</a:t>
+              <a:t>2/3/2025</a:t>
             </a:fld>
             <a:endParaRPr lang="en-US"/>
           </a:p>
@@ -2382,7 +2382,7 @@
           <a:p>
             <a:fld id="{846CE7D5-CF57-46EF-B807-FDD0502418D4}" type="datetimeFigureOut">
               <a:rPr lang="en-US" smtClean="0"/>
-              <a:t>12/20/2021</a:t>
+              <a:t>2/3/2025</a:t>
             </a:fld>
             <a:endParaRPr lang="en-US"/>
           </a:p>
@@ -2595,7 +2595,7 @@
           <a:p>
             <a:fld id="{846CE7D5-CF57-46EF-B807-FDD0502418D4}" type="datetimeFigureOut">
               <a:rPr lang="en-US" smtClean="0"/>
-              <a:t>12/20/2021</a:t>
+              <a:t>2/3/2025</a:t>
             </a:fld>
             <a:endParaRPr lang="en-US"/>
           </a:p>
@@ -3079,7 +3079,7 @@
           <p:cNvPr id="2" name="Title 1">
             <a:extLst>
               <a:ext uri="{FF2B5EF4-FFF2-40B4-BE49-F238E27FC236}">
-                <a16:creationId xmlns:a16="http://schemas.microsoft.com/office/drawing/2014/main" id="{D504AE07-35EE-4705-984D-5BFB71C35A65}"/>
+                <a16:creationId xmlns:a16="http://schemas.microsoft.com/office/drawing/2014/main" xmlns="" id="{D504AE07-35EE-4705-984D-5BFB71C35A65}"/>
               </a:ext>
             </a:extLst>
           </p:cNvPr>
@@ -3110,7 +3110,7 @@
           <p:cNvPr id="3" name="Content Placeholder 2">
             <a:extLst>
               <a:ext uri="{FF2B5EF4-FFF2-40B4-BE49-F238E27FC236}">
-                <a16:creationId xmlns:a16="http://schemas.microsoft.com/office/drawing/2014/main" id="{919418C3-4F70-459A-BE2D-D011852DDE8E}"/>
+                <a16:creationId xmlns:a16="http://schemas.microsoft.com/office/drawing/2014/main" xmlns="" id="{919418C3-4F70-459A-BE2D-D011852DDE8E}"/>
               </a:ext>
             </a:extLst>
           </p:cNvPr>
@@ -3189,7 +3189,7 @@
           <p:cNvPr id="4" name="Picture 4" descr="A screenshot of a cell phone&#10;&#10;Description generated with very high confidence">
             <a:extLst>
               <a:ext uri="{FF2B5EF4-FFF2-40B4-BE49-F238E27FC236}">
-                <a16:creationId xmlns:a16="http://schemas.microsoft.com/office/drawing/2014/main" id="{4C82027C-960B-43AF-99BD-81B6822622D5}"/>
+                <a16:creationId xmlns:a16="http://schemas.microsoft.com/office/drawing/2014/main" xmlns="" id="{4C82027C-960B-43AF-99BD-81B6822622D5}"/>
               </a:ext>
             </a:extLst>
           </p:cNvPr>
@@ -3249,7 +3249,7 @@
           <p:cNvPr id="2" name="Title 1">
             <a:extLst>
               <a:ext uri="{FF2B5EF4-FFF2-40B4-BE49-F238E27FC236}">
-                <a16:creationId xmlns:a16="http://schemas.microsoft.com/office/drawing/2014/main" id="{5A01EDAD-A933-437B-B926-D1108F00890C}"/>
+                <a16:creationId xmlns:a16="http://schemas.microsoft.com/office/drawing/2014/main" xmlns="" id="{5A01EDAD-A933-437B-B926-D1108F00890C}"/>
               </a:ext>
             </a:extLst>
           </p:cNvPr>
@@ -3280,7 +3280,7 @@
           <p:cNvPr id="3" name="Content Placeholder 2">
             <a:extLst>
               <a:ext uri="{FF2B5EF4-FFF2-40B4-BE49-F238E27FC236}">
-                <a16:creationId xmlns:a16="http://schemas.microsoft.com/office/drawing/2014/main" id="{2D2E69A3-3E1D-4D3B-908A-99A5B28AEED0}"/>
+                <a16:creationId xmlns:a16="http://schemas.microsoft.com/office/drawing/2014/main" xmlns="" id="{2D2E69A3-3E1D-4D3B-908A-99A5B28AEED0}"/>
               </a:ext>
             </a:extLst>
           </p:cNvPr>
@@ -3412,7 +3412,7 @@
           <p:cNvPr id="4" name="Picture 4" descr="A screenshot of a cell phone&#10;&#10;Description generated with very high confidence">
             <a:extLst>
               <a:ext uri="{FF2B5EF4-FFF2-40B4-BE49-F238E27FC236}">
-                <a16:creationId xmlns:a16="http://schemas.microsoft.com/office/drawing/2014/main" id="{0FDF0838-4C4B-4455-BCB8-E17418F8B411}"/>
+                <a16:creationId xmlns:a16="http://schemas.microsoft.com/office/drawing/2014/main" xmlns="" id="{0FDF0838-4C4B-4455-BCB8-E17418F8B411}"/>
               </a:ext>
             </a:extLst>
           </p:cNvPr>
@@ -3472,7 +3472,7 @@
           <p:cNvPr id="2" name="Title 1">
             <a:extLst>
               <a:ext uri="{FF2B5EF4-FFF2-40B4-BE49-F238E27FC236}">
-                <a16:creationId xmlns:a16="http://schemas.microsoft.com/office/drawing/2014/main" id="{2732FEF4-F622-44D2-8E8E-5575995FED0A}"/>
+                <a16:creationId xmlns:a16="http://schemas.microsoft.com/office/drawing/2014/main" xmlns="" id="{2732FEF4-F622-44D2-8E8E-5575995FED0A}"/>
               </a:ext>
             </a:extLst>
           </p:cNvPr>
@@ -3503,7 +3503,7 @@
           <p:cNvPr id="3" name="Content Placeholder 2">
             <a:extLst>
               <a:ext uri="{FF2B5EF4-FFF2-40B4-BE49-F238E27FC236}">
-                <a16:creationId xmlns:a16="http://schemas.microsoft.com/office/drawing/2014/main" id="{898CAC6E-47C9-4BFF-9030-F554A842B42D}"/>
+                <a16:creationId xmlns:a16="http://schemas.microsoft.com/office/drawing/2014/main" xmlns="" id="{898CAC6E-47C9-4BFF-9030-F554A842B42D}"/>
               </a:ext>
             </a:extLst>
           </p:cNvPr>
@@ -3689,7 +3689,7 @@
           <p:cNvPr id="4" name="Picture 4" descr="A screenshot of a cell phone&#10;&#10;Description generated with very high confidence">
             <a:extLst>
               <a:ext uri="{FF2B5EF4-FFF2-40B4-BE49-F238E27FC236}">
-                <a16:creationId xmlns:a16="http://schemas.microsoft.com/office/drawing/2014/main" id="{84E3EE17-E97D-4AE7-B7E4-7E2D8FD32B50}"/>
+                <a16:creationId xmlns:a16="http://schemas.microsoft.com/office/drawing/2014/main" xmlns="" id="{84E3EE17-E97D-4AE7-B7E4-7E2D8FD32B50}"/>
               </a:ext>
             </a:extLst>
           </p:cNvPr>
@@ -3749,7 +3749,7 @@
           <p:cNvPr id="2" name="Title 1">
             <a:extLst>
               <a:ext uri="{FF2B5EF4-FFF2-40B4-BE49-F238E27FC236}">
-                <a16:creationId xmlns:a16="http://schemas.microsoft.com/office/drawing/2014/main" id="{CEE698CE-8FFB-49D7-A8E9-A731B26388A6}"/>
+                <a16:creationId xmlns:a16="http://schemas.microsoft.com/office/drawing/2014/main" xmlns="" id="{CEE698CE-8FFB-49D7-A8E9-A731B26388A6}"/>
               </a:ext>
             </a:extLst>
           </p:cNvPr>
@@ -3780,7 +3780,7 @@
           <p:cNvPr id="3" name="Content Placeholder 2">
             <a:extLst>
               <a:ext uri="{FF2B5EF4-FFF2-40B4-BE49-F238E27FC236}">
-                <a16:creationId xmlns:a16="http://schemas.microsoft.com/office/drawing/2014/main" id="{2C09FE4C-1953-4C23-B06D-6187415DB844}"/>
+                <a16:creationId xmlns:a16="http://schemas.microsoft.com/office/drawing/2014/main" xmlns="" id="{2C09FE4C-1953-4C23-B06D-6187415DB844}"/>
               </a:ext>
             </a:extLst>
           </p:cNvPr>
@@ -4134,7 +4134,7 @@
           <p:cNvPr id="2" name="Title 1">
             <a:extLst>
               <a:ext uri="{FF2B5EF4-FFF2-40B4-BE49-F238E27FC236}">
-                <a16:creationId xmlns:a16="http://schemas.microsoft.com/office/drawing/2014/main" id="{D4FDEFDE-E758-4815-B70A-69998D9F6C2F}"/>
+                <a16:creationId xmlns:a16="http://schemas.microsoft.com/office/drawing/2014/main" xmlns="" id="{D4FDEFDE-E758-4815-B70A-69998D9F6C2F}"/>
               </a:ext>
             </a:extLst>
           </p:cNvPr>
@@ -4165,7 +4165,7 @@
           <p:cNvPr id="3" name="Content Placeholder 2">
             <a:extLst>
               <a:ext uri="{FF2B5EF4-FFF2-40B4-BE49-F238E27FC236}">
-                <a16:creationId xmlns:a16="http://schemas.microsoft.com/office/drawing/2014/main" id="{B662753A-0163-48C2-83C4-812AB0C84F8F}"/>
+                <a16:creationId xmlns:a16="http://schemas.microsoft.com/office/drawing/2014/main" xmlns="" id="{B662753A-0163-48C2-83C4-812AB0C84F8F}"/>
               </a:ext>
             </a:extLst>
           </p:cNvPr>
@@ -4238,21 +4238,27 @@
               <a:rPr lang="en-US" dirty="0">
                 <a:cs typeface="Calibri" panose="020F0502020204030204"/>
               </a:rPr>
-              <a:t>Step 1: find project and hours of </a:t>
-            </a:r>
-            <a:r>
-              <a:rPr lang="en-US" dirty="0" err="1">
+              <a:t>Step 1: </a:t>
+            </a:r>
+            <a:r>
+              <a:rPr lang="en-US" dirty="0" smtClean="0">
                 <a:cs typeface="Calibri" panose="020F0502020204030204"/>
               </a:rPr>
+              <a:t>find project and hours of </a:t>
+            </a:r>
+            <a:r>
+              <a:rPr lang="en-US" dirty="0" err="1" smtClean="0">
+                <a:cs typeface="Calibri" panose="020F0502020204030204"/>
+              </a:rPr>
               <a:t>ssn</a:t>
             </a:r>
             <a:r>
-              <a:rPr lang="en-US" dirty="0">
+              <a:rPr lang="en-US" dirty="0" smtClean="0">
                 <a:cs typeface="Calibri" panose="020F0502020204030204"/>
               </a:rPr>
               <a:t> ‘123456789’</a:t>
             </a:r>
-            <a:endParaRPr lang="en-US" dirty="0">
+            <a:endParaRPr lang="en-US" dirty="0" smtClean="0">
               <a:ea typeface="+mn-lt"/>
               <a:cs typeface="+mn-lt"/>
             </a:endParaRPr>
@@ -4262,19 +4268,19 @@
               <a:buNone/>
             </a:pPr>
             <a:r>
-              <a:rPr lang="en-US" dirty="0">
+              <a:rPr lang="en-US" dirty="0" smtClean="0">
                 <a:cs typeface="Calibri" panose="020F0502020204030204"/>
               </a:rPr>
               <a:t>Step 2: find </a:t>
             </a:r>
             <a:r>
-              <a:rPr lang="en-US" dirty="0" err="1">
+              <a:rPr lang="en-US" dirty="0" err="1" smtClean="0">
                 <a:cs typeface="Calibri" panose="020F0502020204030204"/>
               </a:rPr>
               <a:t>ssn</a:t>
             </a:r>
             <a:r>
-              <a:rPr lang="en-US" dirty="0">
+              <a:rPr lang="en-US" dirty="0" smtClean="0">
                 <a:cs typeface="Calibri" panose="020F0502020204030204"/>
               </a:rPr>
               <a:t> of all employees with same working hours and project number </a:t>
@@ -4285,10 +4291,16 @@
               <a:buNone/>
             </a:pPr>
             <a:r>
-              <a:rPr lang="en-US" dirty="0">
+              <a:rPr lang="en-US" dirty="0" smtClean="0">
                 <a:cs typeface="Calibri" panose="020F0502020204030204"/>
               </a:rPr>
-              <a:t>Step 3: find name of those employees. </a:t>
+              <a:t>Step </a:t>
+            </a:r>
+            <a:r>
+              <a:rPr lang="en-US" dirty="0">
+                <a:cs typeface="Calibri" panose="020F0502020204030204"/>
+              </a:rPr>
+              <a:t>3: find name of those employees. </a:t>
             </a:r>
           </a:p>
         </p:txBody>
@@ -4328,7 +4340,7 @@
           <p:cNvPr id="2" name="Title 1">
             <a:extLst>
               <a:ext uri="{FF2B5EF4-FFF2-40B4-BE49-F238E27FC236}">
-                <a16:creationId xmlns:a16="http://schemas.microsoft.com/office/drawing/2014/main" id="{EB919C99-A5C5-42DF-957B-5B07D4C49ED1}"/>
+                <a16:creationId xmlns:a16="http://schemas.microsoft.com/office/drawing/2014/main" xmlns="" id="{EB919C99-A5C5-42DF-957B-5B07D4C49ED1}"/>
               </a:ext>
             </a:extLst>
           </p:cNvPr>
@@ -4359,7 +4371,7 @@
           <p:cNvPr id="3" name="Content Placeholder 2">
             <a:extLst>
               <a:ext uri="{FF2B5EF4-FFF2-40B4-BE49-F238E27FC236}">
-                <a16:creationId xmlns:a16="http://schemas.microsoft.com/office/drawing/2014/main" id="{3D87560D-5315-4253-AB26-677085C032BF}"/>
+                <a16:creationId xmlns:a16="http://schemas.microsoft.com/office/drawing/2014/main" xmlns="" id="{3D87560D-5315-4253-AB26-677085C032BF}"/>
               </a:ext>
             </a:extLst>
           </p:cNvPr>
@@ -4518,7 +4530,7 @@
           <p:cNvPr id="2" name="Title 1">
             <a:extLst>
               <a:ext uri="{FF2B5EF4-FFF2-40B4-BE49-F238E27FC236}">
-                <a16:creationId xmlns:a16="http://schemas.microsoft.com/office/drawing/2014/main" id="{199A4B3C-37B0-47DB-9D47-34AAC5DFF332}"/>
+                <a16:creationId xmlns:a16="http://schemas.microsoft.com/office/drawing/2014/main" xmlns="" id="{199A4B3C-37B0-47DB-9D47-34AAC5DFF332}"/>
               </a:ext>
             </a:extLst>
           </p:cNvPr>
@@ -4549,7 +4561,7 @@
           <p:cNvPr id="3" name="Content Placeholder 2">
             <a:extLst>
               <a:ext uri="{FF2B5EF4-FFF2-40B4-BE49-F238E27FC236}">
-                <a16:creationId xmlns:a16="http://schemas.microsoft.com/office/drawing/2014/main" id="{5043A1B5-986A-4D1D-9C8B-58555D049C06}"/>
+                <a16:creationId xmlns:a16="http://schemas.microsoft.com/office/drawing/2014/main" xmlns="" id="{5043A1B5-986A-4D1D-9C8B-58555D049C06}"/>
               </a:ext>
             </a:extLst>
           </p:cNvPr>
@@ -4751,7 +4763,7 @@
           <p:cNvPr id="2" name="Title 1">
             <a:extLst>
               <a:ext uri="{FF2B5EF4-FFF2-40B4-BE49-F238E27FC236}">
-                <a16:creationId xmlns:a16="http://schemas.microsoft.com/office/drawing/2014/main" id="{FD48B97E-3A72-4020-9C38-952DB7BE4C56}"/>
+                <a16:creationId xmlns:a16="http://schemas.microsoft.com/office/drawing/2014/main" xmlns="" id="{FD48B97E-3A72-4020-9C38-952DB7BE4C56}"/>
               </a:ext>
             </a:extLst>
           </p:cNvPr>
@@ -4782,7 +4794,7 @@
           <p:cNvPr id="3" name="Content Placeholder 2">
             <a:extLst>
               <a:ext uri="{FF2B5EF4-FFF2-40B4-BE49-F238E27FC236}">
-                <a16:creationId xmlns:a16="http://schemas.microsoft.com/office/drawing/2014/main" id="{B7D251DC-8434-4FE9-8320-8EEB1267EC68}"/>
+                <a16:creationId xmlns:a16="http://schemas.microsoft.com/office/drawing/2014/main" xmlns="" id="{B7D251DC-8434-4FE9-8320-8EEB1267EC68}"/>
               </a:ext>
             </a:extLst>
           </p:cNvPr>
@@ -5073,7 +5085,7 @@
           <p:cNvPr id="2" name="Title 1">
             <a:extLst>
               <a:ext uri="{FF2B5EF4-FFF2-40B4-BE49-F238E27FC236}">
-                <a16:creationId xmlns:a16="http://schemas.microsoft.com/office/drawing/2014/main" id="{42369ADC-CCEA-4269-835B-B61CEB33FA91}"/>
+                <a16:creationId xmlns:a16="http://schemas.microsoft.com/office/drawing/2014/main" xmlns="" id="{42369ADC-CCEA-4269-835B-B61CEB33FA91}"/>
               </a:ext>
             </a:extLst>
           </p:cNvPr>
@@ -5104,7 +5116,7 @@
           <p:cNvPr id="3" name="Content Placeholder 2">
             <a:extLst>
               <a:ext uri="{FF2B5EF4-FFF2-40B4-BE49-F238E27FC236}">
-                <a16:creationId xmlns:a16="http://schemas.microsoft.com/office/drawing/2014/main" id="{C05BEF65-3220-4A64-B2C1-BE77152C9C3A}"/>
+                <a16:creationId xmlns:a16="http://schemas.microsoft.com/office/drawing/2014/main" xmlns="" id="{C05BEF65-3220-4A64-B2C1-BE77152C9C3A}"/>
               </a:ext>
             </a:extLst>
           </p:cNvPr>
@@ -5235,7 +5247,7 @@
           <p:cNvPr id="2" name="Title 1">
             <a:extLst>
               <a:ext uri="{FF2B5EF4-FFF2-40B4-BE49-F238E27FC236}">
-                <a16:creationId xmlns:a16="http://schemas.microsoft.com/office/drawing/2014/main" id="{5F9DA597-5538-42F0-920A-BB0B80B04EF8}"/>
+                <a16:creationId xmlns:a16="http://schemas.microsoft.com/office/drawing/2014/main" xmlns="" id="{5F9DA597-5538-42F0-920A-BB0B80B04EF8}"/>
               </a:ext>
             </a:extLst>
           </p:cNvPr>
@@ -5266,7 +5278,7 @@
           <p:cNvPr id="3" name="Content Placeholder 2">
             <a:extLst>
               <a:ext uri="{FF2B5EF4-FFF2-40B4-BE49-F238E27FC236}">
-                <a16:creationId xmlns:a16="http://schemas.microsoft.com/office/drawing/2014/main" id="{FD85CB7B-DA4A-4D96-8C72-218E5DE3DC75}"/>
+                <a16:creationId xmlns:a16="http://schemas.microsoft.com/office/drawing/2014/main" xmlns="" id="{FD85CB7B-DA4A-4D96-8C72-218E5DE3DC75}"/>
               </a:ext>
             </a:extLst>
           </p:cNvPr>
@@ -5369,7 +5381,7 @@
           <p:cNvPr id="2" name="Title 1">
             <a:extLst>
               <a:ext uri="{FF2B5EF4-FFF2-40B4-BE49-F238E27FC236}">
-                <a16:creationId xmlns:a16="http://schemas.microsoft.com/office/drawing/2014/main" id="{A2A5B573-52DE-47D5-813E-326B6B564FBE}"/>
+                <a16:creationId xmlns:a16="http://schemas.microsoft.com/office/drawing/2014/main" xmlns="" id="{A2A5B573-52DE-47D5-813E-326B6B564FBE}"/>
               </a:ext>
             </a:extLst>
           </p:cNvPr>
@@ -5400,7 +5412,7 @@
           <p:cNvPr id="3" name="Content Placeholder 2">
             <a:extLst>
               <a:ext uri="{FF2B5EF4-FFF2-40B4-BE49-F238E27FC236}">
-                <a16:creationId xmlns:a16="http://schemas.microsoft.com/office/drawing/2014/main" id="{BC45D1C6-3FB7-4FEE-A0A1-935C045311DB}"/>
+                <a16:creationId xmlns:a16="http://schemas.microsoft.com/office/drawing/2014/main" xmlns="" id="{BC45D1C6-3FB7-4FEE-A0A1-935C045311DB}"/>
               </a:ext>
             </a:extLst>
           </p:cNvPr>
@@ -5515,7 +5527,7 @@
           <p:cNvPr id="2" name="Title 1">
             <a:extLst>
               <a:ext uri="{FF2B5EF4-FFF2-40B4-BE49-F238E27FC236}">
-                <a16:creationId xmlns:a16="http://schemas.microsoft.com/office/drawing/2014/main" id="{DB908DAD-64D8-4E64-83A4-A336B4C733DC}"/>
+                <a16:creationId xmlns:a16="http://schemas.microsoft.com/office/drawing/2014/main" xmlns="" id="{DB908DAD-64D8-4E64-83A4-A336B4C733DC}"/>
               </a:ext>
             </a:extLst>
           </p:cNvPr>
@@ -5546,7 +5558,7 @@
           <p:cNvPr id="3" name="Content Placeholder 2">
             <a:extLst>
               <a:ext uri="{FF2B5EF4-FFF2-40B4-BE49-F238E27FC236}">
-                <a16:creationId xmlns:a16="http://schemas.microsoft.com/office/drawing/2014/main" id="{9AFF8E4D-5950-44F3-9DAC-BDA79B9814B8}"/>
+                <a16:creationId xmlns:a16="http://schemas.microsoft.com/office/drawing/2014/main" xmlns="" id="{9AFF8E4D-5950-44F3-9DAC-BDA79B9814B8}"/>
               </a:ext>
             </a:extLst>
           </p:cNvPr>
@@ -5750,7 +5762,7 @@
           <p:cNvPr id="2" name="Title 1">
             <a:extLst>
               <a:ext uri="{FF2B5EF4-FFF2-40B4-BE49-F238E27FC236}">
-                <a16:creationId xmlns:a16="http://schemas.microsoft.com/office/drawing/2014/main" id="{C25EA0CA-D254-4607-884E-01FC3921635C}"/>
+                <a16:creationId xmlns:a16="http://schemas.microsoft.com/office/drawing/2014/main" xmlns="" id="{C25EA0CA-D254-4607-884E-01FC3921635C}"/>
               </a:ext>
             </a:extLst>
           </p:cNvPr>
@@ -5781,7 +5793,7 @@
           <p:cNvPr id="3" name="Content Placeholder 2">
             <a:extLst>
               <a:ext uri="{FF2B5EF4-FFF2-40B4-BE49-F238E27FC236}">
-                <a16:creationId xmlns:a16="http://schemas.microsoft.com/office/drawing/2014/main" id="{D968A73D-F1FC-4913-AA7D-8F9CB1F1D267}"/>
+                <a16:creationId xmlns:a16="http://schemas.microsoft.com/office/drawing/2014/main" xmlns="" id="{D968A73D-F1FC-4913-AA7D-8F9CB1F1D267}"/>
               </a:ext>
             </a:extLst>
           </p:cNvPr>
@@ -5834,7 +5846,7 @@
           <p:cNvPr id="6" name="Table 6">
             <a:extLst>
               <a:ext uri="{FF2B5EF4-FFF2-40B4-BE49-F238E27FC236}">
-                <a16:creationId xmlns:a16="http://schemas.microsoft.com/office/drawing/2014/main" id="{06D4F602-56CA-4FE7-8B81-58426FE07071}"/>
+                <a16:creationId xmlns:a16="http://schemas.microsoft.com/office/drawing/2014/main" xmlns="" id="{06D4F602-56CA-4FE7-8B81-58426FE07071}"/>
               </a:ext>
             </a:extLst>
           </p:cNvPr>
@@ -5857,14 +5869,14 @@
                 <a:gridCol w="3940683">
                   <a:extLst>
                     <a:ext uri="{9D8B030D-6E8A-4147-A177-3AD203B41FA5}">
-                      <a16:colId xmlns:a16="http://schemas.microsoft.com/office/drawing/2014/main" val="498370814"/>
+                      <a16:colId xmlns:a16="http://schemas.microsoft.com/office/drawing/2014/main" xmlns="" val="498370814"/>
                     </a:ext>
                   </a:extLst>
                 </a:gridCol>
                 <a:gridCol w="3940683">
                   <a:extLst>
                     <a:ext uri="{9D8B030D-6E8A-4147-A177-3AD203B41FA5}">
-                      <a16:colId xmlns:a16="http://schemas.microsoft.com/office/drawing/2014/main" val="890934046"/>
+                      <a16:colId xmlns:a16="http://schemas.microsoft.com/office/drawing/2014/main" xmlns="" val="890934046"/>
                     </a:ext>
                   </a:extLst>
                 </a:gridCol>
@@ -6068,7 +6080,7 @@
                 </a:tc>
                 <a:extLst>
                   <a:ext uri="{0D108BD9-81ED-4DB2-BD59-A6C34878D82A}">
-                    <a16:rowId xmlns:a16="http://schemas.microsoft.com/office/drawing/2014/main" val="3893752046"/>
+                    <a16:rowId xmlns:a16="http://schemas.microsoft.com/office/drawing/2014/main" xmlns="" val="3893752046"/>
                   </a:ext>
                 </a:extLst>
               </a:tr>
@@ -6111,7 +6123,7 @@
           <p:cNvPr id="2" name="Title 1">
             <a:extLst>
               <a:ext uri="{FF2B5EF4-FFF2-40B4-BE49-F238E27FC236}">
-                <a16:creationId xmlns:a16="http://schemas.microsoft.com/office/drawing/2014/main" id="{ADCBE41A-403F-4EA6-A3A6-E968AB5CF0BC}"/>
+                <a16:creationId xmlns:a16="http://schemas.microsoft.com/office/drawing/2014/main" xmlns="" id="{ADCBE41A-403F-4EA6-A3A6-E968AB5CF0BC}"/>
               </a:ext>
             </a:extLst>
           </p:cNvPr>
@@ -6142,7 +6154,7 @@
           <p:cNvPr id="3" name="Content Placeholder 2">
             <a:extLst>
               <a:ext uri="{FF2B5EF4-FFF2-40B4-BE49-F238E27FC236}">
-                <a16:creationId xmlns:a16="http://schemas.microsoft.com/office/drawing/2014/main" id="{34AE5286-1FC3-4CD8-A4BD-E62FC6EDE1C1}"/>
+                <a16:creationId xmlns:a16="http://schemas.microsoft.com/office/drawing/2014/main" xmlns="" id="{34AE5286-1FC3-4CD8-A4BD-E62FC6EDE1C1}"/>
               </a:ext>
             </a:extLst>
           </p:cNvPr>
@@ -6186,7 +6198,7 @@
           <p:cNvPr id="4" name="Table 4">
             <a:extLst>
               <a:ext uri="{FF2B5EF4-FFF2-40B4-BE49-F238E27FC236}">
-                <a16:creationId xmlns:a16="http://schemas.microsoft.com/office/drawing/2014/main" id="{4F9583D2-3659-41A1-997E-1916E1C3222F}"/>
+                <a16:creationId xmlns:a16="http://schemas.microsoft.com/office/drawing/2014/main" xmlns="" id="{4F9583D2-3659-41A1-997E-1916E1C3222F}"/>
               </a:ext>
             </a:extLst>
           </p:cNvPr>
@@ -6209,14 +6221,14 @@
                 <a:gridCol w="4084320">
                   <a:extLst>
                     <a:ext uri="{9D8B030D-6E8A-4147-A177-3AD203B41FA5}">
-                      <a16:colId xmlns:a16="http://schemas.microsoft.com/office/drawing/2014/main" val="1852329997"/>
+                      <a16:colId xmlns:a16="http://schemas.microsoft.com/office/drawing/2014/main" xmlns="" val="1852329997"/>
                     </a:ext>
                   </a:extLst>
                 </a:gridCol>
                 <a:gridCol w="4084320">
                   <a:extLst>
                     <a:ext uri="{9D8B030D-6E8A-4147-A177-3AD203B41FA5}">
-                      <a16:colId xmlns:a16="http://schemas.microsoft.com/office/drawing/2014/main" val="86887509"/>
+                      <a16:colId xmlns:a16="http://schemas.microsoft.com/office/drawing/2014/main" xmlns="" val="86887509"/>
                     </a:ext>
                   </a:extLst>
                 </a:gridCol>
@@ -6409,7 +6421,7 @@
                 </a:tc>
                 <a:extLst>
                   <a:ext uri="{0D108BD9-81ED-4DB2-BD59-A6C34878D82A}">
-                    <a16:rowId xmlns:a16="http://schemas.microsoft.com/office/drawing/2014/main" val="1907471862"/>
+                    <a16:rowId xmlns:a16="http://schemas.microsoft.com/office/drawing/2014/main" xmlns="" val="1907471862"/>
                   </a:ext>
                 </a:extLst>
               </a:tr>
@@ -6452,7 +6464,7 @@
           <p:cNvPr id="2" name="Title 1">
             <a:extLst>
               <a:ext uri="{FF2B5EF4-FFF2-40B4-BE49-F238E27FC236}">
-                <a16:creationId xmlns:a16="http://schemas.microsoft.com/office/drawing/2014/main" id="{0A292F8D-9D33-4586-9380-8E576D9E0936}"/>
+                <a16:creationId xmlns:a16="http://schemas.microsoft.com/office/drawing/2014/main" xmlns="" id="{0A292F8D-9D33-4586-9380-8E576D9E0936}"/>
               </a:ext>
             </a:extLst>
           </p:cNvPr>
@@ -6483,7 +6495,7 @@
           <p:cNvPr id="3" name="Content Placeholder 2">
             <a:extLst>
               <a:ext uri="{FF2B5EF4-FFF2-40B4-BE49-F238E27FC236}">
-                <a16:creationId xmlns:a16="http://schemas.microsoft.com/office/drawing/2014/main" id="{D01BEA6C-5D90-4252-A8D8-6E96548A7578}"/>
+                <a16:creationId xmlns:a16="http://schemas.microsoft.com/office/drawing/2014/main" xmlns="" id="{D01BEA6C-5D90-4252-A8D8-6E96548A7578}"/>
               </a:ext>
             </a:extLst>
           </p:cNvPr>
@@ -6593,7 +6605,7 @@
           <p:cNvPr id="4" name="Table 4">
             <a:extLst>
               <a:ext uri="{FF2B5EF4-FFF2-40B4-BE49-F238E27FC236}">
-                <a16:creationId xmlns:a16="http://schemas.microsoft.com/office/drawing/2014/main" id="{879BB233-D792-4063-B290-C03FC1376B6E}"/>
+                <a16:creationId xmlns:a16="http://schemas.microsoft.com/office/drawing/2014/main" xmlns="" id="{879BB233-D792-4063-B290-C03FC1376B6E}"/>
               </a:ext>
             </a:extLst>
           </p:cNvPr>
@@ -6616,28 +6628,28 @@
                 <a:gridCol w="994200">
                   <a:extLst>
                     <a:ext uri="{9D8B030D-6E8A-4147-A177-3AD203B41FA5}">
-                      <a16:colId xmlns:a16="http://schemas.microsoft.com/office/drawing/2014/main" val="1142311759"/>
+                      <a16:colId xmlns:a16="http://schemas.microsoft.com/office/drawing/2014/main" xmlns="" val="1142311759"/>
                     </a:ext>
                   </a:extLst>
                 </a:gridCol>
                 <a:gridCol w="994200">
                   <a:extLst>
                     <a:ext uri="{9D8B030D-6E8A-4147-A177-3AD203B41FA5}">
-                      <a16:colId xmlns:a16="http://schemas.microsoft.com/office/drawing/2014/main" val="1888172826"/>
+                      <a16:colId xmlns:a16="http://schemas.microsoft.com/office/drawing/2014/main" xmlns="" val="1888172826"/>
                     </a:ext>
                   </a:extLst>
                 </a:gridCol>
                 <a:gridCol w="994200">
                   <a:extLst>
                     <a:ext uri="{9D8B030D-6E8A-4147-A177-3AD203B41FA5}">
-                      <a16:colId xmlns:a16="http://schemas.microsoft.com/office/drawing/2014/main" val="36674576"/>
+                      <a16:colId xmlns:a16="http://schemas.microsoft.com/office/drawing/2014/main" xmlns="" val="36674576"/>
                     </a:ext>
                   </a:extLst>
                 </a:gridCol>
                 <a:gridCol w="994200">
                   <a:extLst>
                     <a:ext uri="{9D8B030D-6E8A-4147-A177-3AD203B41FA5}">
-                      <a16:colId xmlns:a16="http://schemas.microsoft.com/office/drawing/2014/main" val="1332732126"/>
+                      <a16:colId xmlns:a16="http://schemas.microsoft.com/office/drawing/2014/main" xmlns="" val="1332732126"/>
                     </a:ext>
                   </a:extLst>
                 </a:gridCol>
@@ -6697,7 +6709,7 @@
                 </a:tc>
                 <a:extLst>
                   <a:ext uri="{0D108BD9-81ED-4DB2-BD59-A6C34878D82A}">
-                    <a16:rowId xmlns:a16="http://schemas.microsoft.com/office/drawing/2014/main" val="3540082874"/>
+                    <a16:rowId xmlns:a16="http://schemas.microsoft.com/office/drawing/2014/main" xmlns="" val="3540082874"/>
                   </a:ext>
                 </a:extLst>
               </a:tr>
@@ -6710,7 +6722,7 @@
           <p:cNvPr id="6" name="Table 6">
             <a:extLst>
               <a:ext uri="{FF2B5EF4-FFF2-40B4-BE49-F238E27FC236}">
-                <a16:creationId xmlns:a16="http://schemas.microsoft.com/office/drawing/2014/main" id="{9563E529-052B-495E-87C2-7198A8E17F2D}"/>
+                <a16:creationId xmlns:a16="http://schemas.microsoft.com/office/drawing/2014/main" xmlns="" id="{9563E529-052B-495E-87C2-7198A8E17F2D}"/>
               </a:ext>
             </a:extLst>
           </p:cNvPr>
@@ -6733,28 +6745,28 @@
                 <a:gridCol w="552450">
                   <a:extLst>
                     <a:ext uri="{9D8B030D-6E8A-4147-A177-3AD203B41FA5}">
-                      <a16:colId xmlns:a16="http://schemas.microsoft.com/office/drawing/2014/main" val="2595384045"/>
+                      <a16:colId xmlns:a16="http://schemas.microsoft.com/office/drawing/2014/main" xmlns="" val="2595384045"/>
                     </a:ext>
                   </a:extLst>
                 </a:gridCol>
                 <a:gridCol w="933450">
                   <a:extLst>
                     <a:ext uri="{9D8B030D-6E8A-4147-A177-3AD203B41FA5}">
-                      <a16:colId xmlns:a16="http://schemas.microsoft.com/office/drawing/2014/main" val="3106452979"/>
+                      <a16:colId xmlns:a16="http://schemas.microsoft.com/office/drawing/2014/main" xmlns="" val="3106452979"/>
                     </a:ext>
                   </a:extLst>
                 </a:gridCol>
                 <a:gridCol w="2012889">
                   <a:extLst>
                     <a:ext uri="{9D8B030D-6E8A-4147-A177-3AD203B41FA5}">
-                      <a16:colId xmlns:a16="http://schemas.microsoft.com/office/drawing/2014/main" val="3676693131"/>
+                      <a16:colId xmlns:a16="http://schemas.microsoft.com/office/drawing/2014/main" xmlns="" val="3676693131"/>
                     </a:ext>
                   </a:extLst>
                 </a:gridCol>
                 <a:gridCol w="1166261">
                   <a:extLst>
                     <a:ext uri="{9D8B030D-6E8A-4147-A177-3AD203B41FA5}">
-                      <a16:colId xmlns:a16="http://schemas.microsoft.com/office/drawing/2014/main" val="379045648"/>
+                      <a16:colId xmlns:a16="http://schemas.microsoft.com/office/drawing/2014/main" xmlns="" val="379045648"/>
                     </a:ext>
                   </a:extLst>
                 </a:gridCol>
@@ -6814,7 +6826,7 @@
                 </a:tc>
                 <a:extLst>
                   <a:ext uri="{0D108BD9-81ED-4DB2-BD59-A6C34878D82A}">
-                    <a16:rowId xmlns:a16="http://schemas.microsoft.com/office/drawing/2014/main" val="3020739439"/>
+                    <a16:rowId xmlns:a16="http://schemas.microsoft.com/office/drawing/2014/main" xmlns="" val="3020739439"/>
                   </a:ext>
                 </a:extLst>
               </a:tr>
@@ -6857,7 +6869,7 @@
           <p:cNvPr id="2" name="Title 1">
             <a:extLst>
               <a:ext uri="{FF2B5EF4-FFF2-40B4-BE49-F238E27FC236}">
-                <a16:creationId xmlns:a16="http://schemas.microsoft.com/office/drawing/2014/main" id="{0A292F8D-9D33-4586-9380-8E576D9E0936}"/>
+                <a16:creationId xmlns:a16="http://schemas.microsoft.com/office/drawing/2014/main" xmlns="" id="{0A292F8D-9D33-4586-9380-8E576D9E0936}"/>
               </a:ext>
             </a:extLst>
           </p:cNvPr>
@@ -6888,7 +6900,7 @@
           <p:cNvPr id="3" name="Content Placeholder 2">
             <a:extLst>
               <a:ext uri="{FF2B5EF4-FFF2-40B4-BE49-F238E27FC236}">
-                <a16:creationId xmlns:a16="http://schemas.microsoft.com/office/drawing/2014/main" id="{D01BEA6C-5D90-4252-A8D8-6E96548A7578}"/>
+                <a16:creationId xmlns:a16="http://schemas.microsoft.com/office/drawing/2014/main" xmlns="" id="{D01BEA6C-5D90-4252-A8D8-6E96548A7578}"/>
               </a:ext>
             </a:extLst>
           </p:cNvPr>
@@ -7116,7 +7128,7 @@
           <p:cNvPr id="4" name="Table 4">
             <a:extLst>
               <a:ext uri="{FF2B5EF4-FFF2-40B4-BE49-F238E27FC236}">
-                <a16:creationId xmlns:a16="http://schemas.microsoft.com/office/drawing/2014/main" id="{879BB233-D792-4063-B290-C03FC1376B6E}"/>
+                <a16:creationId xmlns:a16="http://schemas.microsoft.com/office/drawing/2014/main" xmlns="" id="{879BB233-D792-4063-B290-C03FC1376B6E}"/>
               </a:ext>
             </a:extLst>
           </p:cNvPr>
@@ -7139,28 +7151,28 @@
                 <a:gridCol w="994200">
                   <a:extLst>
                     <a:ext uri="{9D8B030D-6E8A-4147-A177-3AD203B41FA5}">
-                      <a16:colId xmlns:a16="http://schemas.microsoft.com/office/drawing/2014/main" val="1142311759"/>
+                      <a16:colId xmlns:a16="http://schemas.microsoft.com/office/drawing/2014/main" xmlns="" val="1142311759"/>
                     </a:ext>
                   </a:extLst>
                 </a:gridCol>
                 <a:gridCol w="994200">
                   <a:extLst>
                     <a:ext uri="{9D8B030D-6E8A-4147-A177-3AD203B41FA5}">
-                      <a16:colId xmlns:a16="http://schemas.microsoft.com/office/drawing/2014/main" val="1888172826"/>
+                      <a16:colId xmlns:a16="http://schemas.microsoft.com/office/drawing/2014/main" xmlns="" val="1888172826"/>
                     </a:ext>
                   </a:extLst>
                 </a:gridCol>
                 <a:gridCol w="994200">
                   <a:extLst>
                     <a:ext uri="{9D8B030D-6E8A-4147-A177-3AD203B41FA5}">
-                      <a16:colId xmlns:a16="http://schemas.microsoft.com/office/drawing/2014/main" val="36674576"/>
+                      <a16:colId xmlns:a16="http://schemas.microsoft.com/office/drawing/2014/main" xmlns="" val="36674576"/>
                     </a:ext>
                   </a:extLst>
                 </a:gridCol>
                 <a:gridCol w="994200">
                   <a:extLst>
                     <a:ext uri="{9D8B030D-6E8A-4147-A177-3AD203B41FA5}">
-                      <a16:colId xmlns:a16="http://schemas.microsoft.com/office/drawing/2014/main" val="1332732126"/>
+                      <a16:colId xmlns:a16="http://schemas.microsoft.com/office/drawing/2014/main" xmlns="" val="1332732126"/>
                     </a:ext>
                   </a:extLst>
                 </a:gridCol>
@@ -7220,7 +7232,7 @@
                 </a:tc>
                 <a:extLst>
                   <a:ext uri="{0D108BD9-81ED-4DB2-BD59-A6C34878D82A}">
-                    <a16:rowId xmlns:a16="http://schemas.microsoft.com/office/drawing/2014/main" val="3540082874"/>
+                    <a16:rowId xmlns:a16="http://schemas.microsoft.com/office/drawing/2014/main" xmlns="" val="3540082874"/>
                   </a:ext>
                 </a:extLst>
               </a:tr>
@@ -7233,7 +7245,7 @@
           <p:cNvPr id="6" name="Table 6">
             <a:extLst>
               <a:ext uri="{FF2B5EF4-FFF2-40B4-BE49-F238E27FC236}">
-                <a16:creationId xmlns:a16="http://schemas.microsoft.com/office/drawing/2014/main" id="{9563E529-052B-495E-87C2-7198A8E17F2D}"/>
+                <a16:creationId xmlns:a16="http://schemas.microsoft.com/office/drawing/2014/main" xmlns="" id="{9563E529-052B-495E-87C2-7198A8E17F2D}"/>
               </a:ext>
             </a:extLst>
           </p:cNvPr>
@@ -7256,28 +7268,28 @@
                 <a:gridCol w="552450">
                   <a:extLst>
                     <a:ext uri="{9D8B030D-6E8A-4147-A177-3AD203B41FA5}">
-                      <a16:colId xmlns:a16="http://schemas.microsoft.com/office/drawing/2014/main" val="2595384045"/>
+                      <a16:colId xmlns:a16="http://schemas.microsoft.com/office/drawing/2014/main" xmlns="" val="2595384045"/>
                     </a:ext>
                   </a:extLst>
                 </a:gridCol>
                 <a:gridCol w="933450">
                   <a:extLst>
                     <a:ext uri="{9D8B030D-6E8A-4147-A177-3AD203B41FA5}">
-                      <a16:colId xmlns:a16="http://schemas.microsoft.com/office/drawing/2014/main" val="3106452979"/>
+                      <a16:colId xmlns:a16="http://schemas.microsoft.com/office/drawing/2014/main" xmlns="" val="3106452979"/>
                     </a:ext>
                   </a:extLst>
                 </a:gridCol>
                 <a:gridCol w="2012889">
                   <a:extLst>
                     <a:ext uri="{9D8B030D-6E8A-4147-A177-3AD203B41FA5}">
-                      <a16:colId xmlns:a16="http://schemas.microsoft.com/office/drawing/2014/main" val="3676693131"/>
+                      <a16:colId xmlns:a16="http://schemas.microsoft.com/office/drawing/2014/main" xmlns="" val="3676693131"/>
                     </a:ext>
                   </a:extLst>
                 </a:gridCol>
                 <a:gridCol w="1166261">
                   <a:extLst>
                     <a:ext uri="{9D8B030D-6E8A-4147-A177-3AD203B41FA5}">
-                      <a16:colId xmlns:a16="http://schemas.microsoft.com/office/drawing/2014/main" val="379045648"/>
+                      <a16:colId xmlns:a16="http://schemas.microsoft.com/office/drawing/2014/main" xmlns="" val="379045648"/>
                     </a:ext>
                   </a:extLst>
                 </a:gridCol>
@@ -7341,7 +7353,7 @@
                 </a:tc>
                 <a:extLst>
                   <a:ext uri="{0D108BD9-81ED-4DB2-BD59-A6C34878D82A}">
-                    <a16:rowId xmlns:a16="http://schemas.microsoft.com/office/drawing/2014/main" val="3020739439"/>
+                    <a16:rowId xmlns:a16="http://schemas.microsoft.com/office/drawing/2014/main" xmlns="" val="3020739439"/>
                   </a:ext>
                 </a:extLst>
               </a:tr>
@@ -7384,7 +7396,7 @@
           <p:cNvPr id="2" name="Title 1">
             <a:extLst>
               <a:ext uri="{FF2B5EF4-FFF2-40B4-BE49-F238E27FC236}">
-                <a16:creationId xmlns:a16="http://schemas.microsoft.com/office/drawing/2014/main" id="{0A292F8D-9D33-4586-9380-8E576D9E0936}"/>
+                <a16:creationId xmlns:a16="http://schemas.microsoft.com/office/drawing/2014/main" xmlns="" id="{0A292F8D-9D33-4586-9380-8E576D9E0936}"/>
               </a:ext>
             </a:extLst>
           </p:cNvPr>
@@ -7415,7 +7427,7 @@
           <p:cNvPr id="3" name="Content Placeholder 2">
             <a:extLst>
               <a:ext uri="{FF2B5EF4-FFF2-40B4-BE49-F238E27FC236}">
-                <a16:creationId xmlns:a16="http://schemas.microsoft.com/office/drawing/2014/main" id="{D01BEA6C-5D90-4252-A8D8-6E96548A7578}"/>
+                <a16:creationId xmlns:a16="http://schemas.microsoft.com/office/drawing/2014/main" xmlns="" id="{D01BEA6C-5D90-4252-A8D8-6E96548A7578}"/>
               </a:ext>
             </a:extLst>
           </p:cNvPr>
@@ -7578,7 +7590,7 @@
           <p:cNvPr id="4" name="Table 4">
             <a:extLst>
               <a:ext uri="{FF2B5EF4-FFF2-40B4-BE49-F238E27FC236}">
-                <a16:creationId xmlns:a16="http://schemas.microsoft.com/office/drawing/2014/main" id="{879BB233-D792-4063-B290-C03FC1376B6E}"/>
+                <a16:creationId xmlns:a16="http://schemas.microsoft.com/office/drawing/2014/main" xmlns="" id="{879BB233-D792-4063-B290-C03FC1376B6E}"/>
               </a:ext>
             </a:extLst>
           </p:cNvPr>
@@ -7601,28 +7613,28 @@
                 <a:gridCol w="994200">
                   <a:extLst>
                     <a:ext uri="{9D8B030D-6E8A-4147-A177-3AD203B41FA5}">
-                      <a16:colId xmlns:a16="http://schemas.microsoft.com/office/drawing/2014/main" val="1142311759"/>
+                      <a16:colId xmlns:a16="http://schemas.microsoft.com/office/drawing/2014/main" xmlns="" val="1142311759"/>
                     </a:ext>
                   </a:extLst>
                 </a:gridCol>
                 <a:gridCol w="994200">
                   <a:extLst>
                     <a:ext uri="{9D8B030D-6E8A-4147-A177-3AD203B41FA5}">
-                      <a16:colId xmlns:a16="http://schemas.microsoft.com/office/drawing/2014/main" val="1888172826"/>
+                      <a16:colId xmlns:a16="http://schemas.microsoft.com/office/drawing/2014/main" xmlns="" val="1888172826"/>
                     </a:ext>
                   </a:extLst>
                 </a:gridCol>
                 <a:gridCol w="994200">
                   <a:extLst>
                     <a:ext uri="{9D8B030D-6E8A-4147-A177-3AD203B41FA5}">
-                      <a16:colId xmlns:a16="http://schemas.microsoft.com/office/drawing/2014/main" val="36674576"/>
+                      <a16:colId xmlns:a16="http://schemas.microsoft.com/office/drawing/2014/main" xmlns="" val="36674576"/>
                     </a:ext>
                   </a:extLst>
                 </a:gridCol>
                 <a:gridCol w="994200">
                   <a:extLst>
                     <a:ext uri="{9D8B030D-6E8A-4147-A177-3AD203B41FA5}">
-                      <a16:colId xmlns:a16="http://schemas.microsoft.com/office/drawing/2014/main" val="1332732126"/>
+                      <a16:colId xmlns:a16="http://schemas.microsoft.com/office/drawing/2014/main" xmlns="" val="1332732126"/>
                     </a:ext>
                   </a:extLst>
                 </a:gridCol>
@@ -7682,7 +7694,7 @@
                 </a:tc>
                 <a:extLst>
                   <a:ext uri="{0D108BD9-81ED-4DB2-BD59-A6C34878D82A}">
-                    <a16:rowId xmlns:a16="http://schemas.microsoft.com/office/drawing/2014/main" val="3540082874"/>
+                    <a16:rowId xmlns:a16="http://schemas.microsoft.com/office/drawing/2014/main" xmlns="" val="3540082874"/>
                   </a:ext>
                 </a:extLst>
               </a:tr>
@@ -7695,7 +7707,7 @@
           <p:cNvPr id="6" name="Table 6">
             <a:extLst>
               <a:ext uri="{FF2B5EF4-FFF2-40B4-BE49-F238E27FC236}">
-                <a16:creationId xmlns:a16="http://schemas.microsoft.com/office/drawing/2014/main" id="{9563E529-052B-495E-87C2-7198A8E17F2D}"/>
+                <a16:creationId xmlns:a16="http://schemas.microsoft.com/office/drawing/2014/main" xmlns="" id="{9563E529-052B-495E-87C2-7198A8E17F2D}"/>
               </a:ext>
             </a:extLst>
           </p:cNvPr>
@@ -7718,28 +7730,28 @@
                 <a:gridCol w="552450">
                   <a:extLst>
                     <a:ext uri="{9D8B030D-6E8A-4147-A177-3AD203B41FA5}">
-                      <a16:colId xmlns:a16="http://schemas.microsoft.com/office/drawing/2014/main" val="2595384045"/>
+                      <a16:colId xmlns:a16="http://schemas.microsoft.com/office/drawing/2014/main" xmlns="" val="2595384045"/>
                     </a:ext>
                   </a:extLst>
                 </a:gridCol>
                 <a:gridCol w="933450">
                   <a:extLst>
                     <a:ext uri="{9D8B030D-6E8A-4147-A177-3AD203B41FA5}">
-                      <a16:colId xmlns:a16="http://schemas.microsoft.com/office/drawing/2014/main" val="3106452979"/>
+                      <a16:colId xmlns:a16="http://schemas.microsoft.com/office/drawing/2014/main" xmlns="" val="3106452979"/>
                     </a:ext>
                   </a:extLst>
                 </a:gridCol>
                 <a:gridCol w="2012889">
                   <a:extLst>
                     <a:ext uri="{9D8B030D-6E8A-4147-A177-3AD203B41FA5}">
-                      <a16:colId xmlns:a16="http://schemas.microsoft.com/office/drawing/2014/main" val="3676693131"/>
+                      <a16:colId xmlns:a16="http://schemas.microsoft.com/office/drawing/2014/main" xmlns="" val="3676693131"/>
                     </a:ext>
                   </a:extLst>
                 </a:gridCol>
                 <a:gridCol w="1166261">
                   <a:extLst>
                     <a:ext uri="{9D8B030D-6E8A-4147-A177-3AD203B41FA5}">
-                      <a16:colId xmlns:a16="http://schemas.microsoft.com/office/drawing/2014/main" val="379045648"/>
+                      <a16:colId xmlns:a16="http://schemas.microsoft.com/office/drawing/2014/main" xmlns="" val="379045648"/>
                     </a:ext>
                   </a:extLst>
                 </a:gridCol>
@@ -7799,7 +7811,7 @@
                 </a:tc>
                 <a:extLst>
                   <a:ext uri="{0D108BD9-81ED-4DB2-BD59-A6C34878D82A}">
-                    <a16:rowId xmlns:a16="http://schemas.microsoft.com/office/drawing/2014/main" val="3020739439"/>
+                    <a16:rowId xmlns:a16="http://schemas.microsoft.com/office/drawing/2014/main" xmlns="" val="3020739439"/>
                   </a:ext>
                 </a:extLst>
               </a:tr>
@@ -7842,7 +7854,7 @@
           <p:cNvPr id="2" name="Title 1">
             <a:extLst>
               <a:ext uri="{FF2B5EF4-FFF2-40B4-BE49-F238E27FC236}">
-                <a16:creationId xmlns:a16="http://schemas.microsoft.com/office/drawing/2014/main" id="{B8D29D8C-8C95-4BFD-81CD-9D0AAABFC36D}"/>
+                <a16:creationId xmlns:a16="http://schemas.microsoft.com/office/drawing/2014/main" xmlns="" id="{B8D29D8C-8C95-4BFD-81CD-9D0AAABFC36D}"/>
               </a:ext>
             </a:extLst>
           </p:cNvPr>
@@ -7875,7 +7887,7 @@
           <p:cNvPr id="3" name="Content Placeholder 2">
             <a:extLst>
               <a:ext uri="{FF2B5EF4-FFF2-40B4-BE49-F238E27FC236}">
-                <a16:creationId xmlns:a16="http://schemas.microsoft.com/office/drawing/2014/main" id="{FFB406B6-796D-421D-B1F2-0476B0339569}"/>
+                <a16:creationId xmlns:a16="http://schemas.microsoft.com/office/drawing/2014/main" xmlns="" id="{FFB406B6-796D-421D-B1F2-0476B0339569}"/>
               </a:ext>
             </a:extLst>
           </p:cNvPr>
@@ -8170,7 +8182,7 @@
           <p:cNvPr id="2" name="Title 1">
             <a:extLst>
               <a:ext uri="{FF2B5EF4-FFF2-40B4-BE49-F238E27FC236}">
-                <a16:creationId xmlns:a16="http://schemas.microsoft.com/office/drawing/2014/main" id="{D504AE07-35EE-4705-984D-5BFB71C35A65}"/>
+                <a16:creationId xmlns:a16="http://schemas.microsoft.com/office/drawing/2014/main" xmlns="" id="{D504AE07-35EE-4705-984D-5BFB71C35A65}"/>
               </a:ext>
             </a:extLst>
           </p:cNvPr>
@@ -8201,7 +8213,7 @@
           <p:cNvPr id="3" name="Content Placeholder 2">
             <a:extLst>
               <a:ext uri="{FF2B5EF4-FFF2-40B4-BE49-F238E27FC236}">
-                <a16:creationId xmlns:a16="http://schemas.microsoft.com/office/drawing/2014/main" id="{919418C3-4F70-459A-BE2D-D011852DDE8E}"/>
+                <a16:creationId xmlns:a16="http://schemas.microsoft.com/office/drawing/2014/main" xmlns="" id="{919418C3-4F70-459A-BE2D-D011852DDE8E}"/>
               </a:ext>
             </a:extLst>
           </p:cNvPr>
@@ -8256,7 +8268,7 @@
           <p:cNvPr id="4" name="Picture 4" descr="A screenshot of a cell phone&#10;&#10;Description generated with very high confidence">
             <a:extLst>
               <a:ext uri="{FF2B5EF4-FFF2-40B4-BE49-F238E27FC236}">
-                <a16:creationId xmlns:a16="http://schemas.microsoft.com/office/drawing/2014/main" id="{F1771FDD-ED7F-4ACF-A6CC-EB0AA2787CBA}"/>
+                <a16:creationId xmlns:a16="http://schemas.microsoft.com/office/drawing/2014/main" xmlns="" id="{F1771FDD-ED7F-4ACF-A6CC-EB0AA2787CBA}"/>
               </a:ext>
             </a:extLst>
           </p:cNvPr>
